--- a/NegativeCyberNews Presntation.pptx
+++ b/NegativeCyberNews Presntation.pptx
@@ -3187,29 +3187,14 @@
       <p:bgPr>
         <a:gradFill flip="none" rotWithShape="1">
           <a:gsLst>
-            <a:gs pos="15000">
-              <a:schemeClr val="accent5">
-                <a:lumMod val="60000"/>
-                <a:lumOff val="40000"/>
-              </a:schemeClr>
+            <a:gs pos="0">
+              <a:schemeClr val="bg1"/>
             </a:gs>
-            <a:gs pos="36000">
-              <a:schemeClr val="accent5">
-                <a:lumMod val="60000"/>
-                <a:lumOff val="40000"/>
-              </a:schemeClr>
+            <a:gs pos="21000">
+              <a:schemeClr val="bg1"/>
             </a:gs>
-            <a:gs pos="74000">
-              <a:schemeClr val="accent1">
-                <a:lumMod val="40000"/>
-                <a:lumOff val="60000"/>
-              </a:schemeClr>
-            </a:gs>
-            <a:gs pos="100000">
-              <a:schemeClr val="accent1">
-                <a:lumMod val="20000"/>
-                <a:lumOff val="80000"/>
-              </a:schemeClr>
+            <a:gs pos="81000">
+              <a:schemeClr val="accent1"/>
             </a:gs>
           </a:gsLst>
           <a:lin ang="2700000" scaled="1"/>
@@ -4445,6 +4430,14 @@
 <file path=ppt/slides/slide1.xml><?xml version="1.0" encoding="utf-8"?>
 <p:sld xmlns:a="http://schemas.openxmlformats.org/drawingml/2006/main" xmlns:r="http://schemas.openxmlformats.org/officeDocument/2006/relationships" xmlns:p="http://schemas.openxmlformats.org/presentationml/2006/main" showMasterSp="0">
   <p:cSld>
+    <p:bg>
+      <p:bgPr>
+        <a:solidFill>
+          <a:schemeClr val="bg1"/>
+        </a:solidFill>
+        <a:effectLst/>
+      </p:bgPr>
+    </p:bg>
     <p:spTree>
       <p:nvGrpSpPr>
         <p:cNvPr id="1" name="Shape 135"/>
@@ -4459,48 +4452,36 @@
           <a:chExt cx="0" cy="0"/>
         </a:xfrm>
       </p:grpSpPr>
-      <p:sp>
-        <p:nvSpPr>
-          <p:cNvPr id="137" name="Google Shape;137;p28"/>
-          <p:cNvSpPr txBox="1">
-            <a:spLocks noGrp="1"/>
-          </p:cNvSpPr>
-          <p:nvPr>
-            <p:ph type="ctrTitle"/>
-          </p:nvPr>
-        </p:nvSpPr>
+      <p:pic>
+        <p:nvPicPr>
+          <p:cNvPr id="3" name="תמונה 2">
+            <a:extLst>
+              <a:ext uri="{FF2B5EF4-FFF2-40B4-BE49-F238E27FC236}">
+                <a16:creationId xmlns:a16="http://schemas.microsoft.com/office/drawing/2014/main" id="{081F093A-0B05-4332-B7CF-178D0AED1776}"/>
+              </a:ext>
+            </a:extLst>
+          </p:cNvPr>
+          <p:cNvPicPr>
+            <a:picLocks noChangeAspect="1"/>
+          </p:cNvPicPr>
+          <p:nvPr/>
+        </p:nvPicPr>
+        <p:blipFill>
+          <a:blip r:embed="rId3"/>
+          <a:stretch>
+            <a:fillRect/>
+          </a:stretch>
+        </p:blipFill>
         <p:spPr>
           <a:xfrm>
-            <a:off x="916241" y="1077433"/>
-            <a:ext cx="6526549" cy="1807535"/>
+            <a:off x="0" y="200527"/>
+            <a:ext cx="9144000" cy="4754777"/>
           </a:xfrm>
           <a:prstGeom prst="rect">
             <a:avLst/>
           </a:prstGeom>
         </p:spPr>
-        <p:txBody>
-          <a:bodyPr spcFirstLastPara="1" wrap="square" lIns="91425" tIns="91425" rIns="91425" bIns="91425" anchor="b" anchorCtr="0">
-            <a:noAutofit/>
-          </a:bodyPr>
-          <a:lstStyle/>
-          <a:p>
-            <a:pPr lvl="0" algn="ctr"/>
-            <a:r>
-              <a:rPr lang="en-US" sz="5400" dirty="0">
-                <a:solidFill>
-                  <a:schemeClr val="accent2"/>
-                </a:solidFill>
-              </a:rPr>
-              <a:t>NEGATIVE CYBER NEWS</a:t>
-            </a:r>
-            <a:endParaRPr sz="5400" dirty="0">
-              <a:solidFill>
-                <a:schemeClr val="accent2"/>
-              </a:solidFill>
-            </a:endParaRPr>
-          </a:p>
-        </p:txBody>
-      </p:sp>
+      </p:pic>
     </p:spTree>
   </p:cSld>
   <p:clrMapOvr>
@@ -4510,7 +4491,7 @@
 </file>
 
 <file path=ppt/slides/slide10.xml><?xml version="1.0" encoding="utf-8"?>
-<p:sld xmlns:a="http://schemas.openxmlformats.org/drawingml/2006/main" xmlns:r="http://schemas.openxmlformats.org/officeDocument/2006/relationships" xmlns:p="http://schemas.openxmlformats.org/presentationml/2006/main">
+<p:sld xmlns:a="http://schemas.openxmlformats.org/drawingml/2006/main" xmlns:r="http://schemas.openxmlformats.org/officeDocument/2006/relationships" xmlns:p="http://schemas.openxmlformats.org/presentationml/2006/main" showMasterSp="0">
   <p:cSld>
     <p:spTree>
       <p:nvGrpSpPr>
@@ -4938,7 +4919,7 @@
 </file>
 
 <file path=ppt/slides/slide11.xml><?xml version="1.0" encoding="utf-8"?>
-<p:sld xmlns:a="http://schemas.openxmlformats.org/drawingml/2006/main" xmlns:r="http://schemas.openxmlformats.org/officeDocument/2006/relationships" xmlns:p="http://schemas.openxmlformats.org/presentationml/2006/main">
+<p:sld xmlns:a="http://schemas.openxmlformats.org/drawingml/2006/main" xmlns:r="http://schemas.openxmlformats.org/officeDocument/2006/relationships" xmlns:p="http://schemas.openxmlformats.org/presentationml/2006/main" showMasterSp="0">
   <p:cSld>
     <p:spTree>
       <p:nvGrpSpPr>
@@ -5365,7 +5346,7 @@
 </file>
 
 <file path=ppt/slides/slide12.xml><?xml version="1.0" encoding="utf-8"?>
-<p:sld xmlns:a="http://schemas.openxmlformats.org/drawingml/2006/main" xmlns:r="http://schemas.openxmlformats.org/officeDocument/2006/relationships" xmlns:p="http://schemas.openxmlformats.org/presentationml/2006/main">
+<p:sld xmlns:a="http://schemas.openxmlformats.org/drawingml/2006/main" xmlns:r="http://schemas.openxmlformats.org/officeDocument/2006/relationships" xmlns:p="http://schemas.openxmlformats.org/presentationml/2006/main" showMasterSp="0">
   <p:cSld>
     <p:spTree>
       <p:nvGrpSpPr>
@@ -6099,7 +6080,7 @@
 </file>
 
 <file path=ppt/slides/slide13.xml><?xml version="1.0" encoding="utf-8"?>
-<p:sld xmlns:a="http://schemas.openxmlformats.org/drawingml/2006/main" xmlns:r="http://schemas.openxmlformats.org/officeDocument/2006/relationships" xmlns:p="http://schemas.openxmlformats.org/presentationml/2006/main">
+<p:sld xmlns:a="http://schemas.openxmlformats.org/drawingml/2006/main" xmlns:r="http://schemas.openxmlformats.org/officeDocument/2006/relationships" xmlns:p="http://schemas.openxmlformats.org/presentationml/2006/main" showMasterSp="0">
   <p:cSld>
     <p:spTree>
       <p:nvGrpSpPr>
@@ -6734,7 +6715,7 @@
 </file>
 
 <file path=ppt/slides/slide14.xml><?xml version="1.0" encoding="utf-8"?>
-<p:sld xmlns:a="http://schemas.openxmlformats.org/drawingml/2006/main" xmlns:r="http://schemas.openxmlformats.org/officeDocument/2006/relationships" xmlns:p="http://schemas.openxmlformats.org/presentationml/2006/main">
+<p:sld xmlns:a="http://schemas.openxmlformats.org/drawingml/2006/main" xmlns:r="http://schemas.openxmlformats.org/officeDocument/2006/relationships" xmlns:p="http://schemas.openxmlformats.org/presentationml/2006/main" showMasterSp="0">
   <p:cSld>
     <p:spTree>
       <p:nvGrpSpPr>
@@ -7615,7 +7596,7 @@
 </file>
 
 <file path=ppt/slides/slide3.xml><?xml version="1.0" encoding="utf-8"?>
-<p:sld xmlns:a="http://schemas.openxmlformats.org/drawingml/2006/main" xmlns:r="http://schemas.openxmlformats.org/officeDocument/2006/relationships" xmlns:p="http://schemas.openxmlformats.org/presentationml/2006/main">
+<p:sld xmlns:a="http://schemas.openxmlformats.org/drawingml/2006/main" xmlns:r="http://schemas.openxmlformats.org/officeDocument/2006/relationships" xmlns:p="http://schemas.openxmlformats.org/presentationml/2006/main" showMasterSp="0">
   <p:cSld>
     <p:spTree>
       <p:nvGrpSpPr>
@@ -8031,7 +8012,7 @@
 </file>
 
 <file path=ppt/slides/slide4.xml><?xml version="1.0" encoding="utf-8"?>
-<p:sld xmlns:a="http://schemas.openxmlformats.org/drawingml/2006/main" xmlns:r="http://schemas.openxmlformats.org/officeDocument/2006/relationships" xmlns:p="http://schemas.openxmlformats.org/presentationml/2006/main">
+<p:sld xmlns:a="http://schemas.openxmlformats.org/drawingml/2006/main" xmlns:r="http://schemas.openxmlformats.org/officeDocument/2006/relationships" xmlns:p="http://schemas.openxmlformats.org/presentationml/2006/main" showMasterSp="0">
   <p:cSld>
     <p:spTree>
       <p:nvGrpSpPr>
@@ -8413,7 +8394,7 @@
           <p:nvPr>
             <p:extLst>
               <p:ext uri="{D42A27DB-BD31-4B8C-83A1-F6EECF244321}">
-                <p14:modId xmlns:p14="http://schemas.microsoft.com/office/powerpoint/2010/main" val="1948587684"/>
+                <p14:modId xmlns:p14="http://schemas.microsoft.com/office/powerpoint/2010/main" val="905346544"/>
               </p:ext>
             </p:extLst>
           </p:nvPr>
@@ -8426,7 +8407,7 @@
           <a:graphicData uri="http://schemas.openxmlformats.org/drawingml/2006/table">
             <a:tbl>
               <a:tblPr rtl="1" firstRow="1" firstCol="1" bandRow="1">
-                <a:tableStyleId>{5C22544A-7EE6-4342-B048-85BDC9FD1C3A}</a:tableStyleId>
+                <a:tableStyleId>{9DCAF9ED-07DC-4A11-8D7F-57B35C25682E}</a:tableStyleId>
               </a:tblPr>
               <a:tblGrid>
                 <a:gridCol w="3623203">
@@ -8464,16 +8445,15 @@
                       <a:r>
                         <a:rPr lang="en-US" sz="1100" dirty="0">
                           <a:solidFill>
-                            <a:schemeClr val="accent2"/>
+                            <a:schemeClr val="bg1"/>
                           </a:solidFill>
                           <a:effectLst/>
-                          <a:latin typeface="Exo 2" panose="020B0604020202020204" charset="0"/>
                         </a:rPr>
                         <a:t>Usage</a:t>
                       </a:r>
                       <a:endParaRPr lang="en-US" sz="1100" dirty="0">
                         <a:solidFill>
-                          <a:schemeClr val="accent2"/>
+                          <a:schemeClr val="bg1"/>
                         </a:solidFill>
                         <a:effectLst/>
                         <a:latin typeface="Exo 2" panose="020B0604020202020204" charset="0"/>
@@ -8503,10 +8483,9 @@
                       <a:r>
                         <a:rPr lang="en-US" sz="1100" dirty="0">
                           <a:solidFill>
-                            <a:schemeClr val="accent2"/>
+                            <a:schemeClr val="bg1"/>
                           </a:solidFill>
                           <a:effectLst/>
-                          <a:latin typeface="Exo 2" panose="020B0604020202020204" charset="0"/>
                         </a:rPr>
                         <a:t>Library/Package/Language</a:t>
                       </a:r>
@@ -8565,7 +8544,6 @@
                             <a:schemeClr val="accent2"/>
                           </a:solidFill>
                           <a:effectLst/>
-                          <a:latin typeface="Exo 2" panose="020B0604020202020204" charset="0"/>
                         </a:rPr>
                         <a:t>Framework used to write, review and edit our code.</a:t>
                       </a:r>
@@ -8604,7 +8582,6 @@
                             <a:schemeClr val="accent2"/>
                           </a:solidFill>
                           <a:effectLst/>
-                          <a:latin typeface="Exo 2" panose="020B0604020202020204" charset="0"/>
                         </a:rPr>
                         <a:t>Visual Studio Code</a:t>
                       </a:r>
@@ -8650,7 +8627,6 @@
                             <a:schemeClr val="accent2"/>
                           </a:solidFill>
                           <a:effectLst/>
-                          <a:latin typeface="Exo 2" panose="020B0604020202020204" charset="0"/>
                         </a:rPr>
                         <a:t>The entire web application is written in JavaScript.</a:t>
                       </a:r>
@@ -8693,7 +8669,6 @@
                             <a:schemeClr val="accent2"/>
                           </a:solidFill>
                           <a:effectLst/>
-                          <a:latin typeface="Exo 2" panose="020B0604020202020204" charset="0"/>
                         </a:rPr>
                         <a:t>	JavaScript</a:t>
                       </a:r>
@@ -8742,7 +8717,6 @@
                             <a:schemeClr val="accent2"/>
                           </a:solidFill>
                           <a:effectLst/>
-                          <a:latin typeface="Exo 2" panose="020B0604020202020204" charset="0"/>
                         </a:rPr>
                         <a:t>Handles the front-end; user interface.</a:t>
                       </a:r>
@@ -8751,7 +8725,6 @@
                           <a:schemeClr val="accent2"/>
                         </a:solidFill>
                         <a:effectLst/>
-                        <a:latin typeface="Exo 2" panose="020B0604020202020204" charset="0"/>
                       </a:endParaRPr>
                     </a:p>
                     <a:p>
@@ -8804,7 +8777,6 @@
                             <a:schemeClr val="accent2"/>
                           </a:solidFill>
                           <a:effectLst/>
-                          <a:latin typeface="Exo 2" panose="020B0604020202020204" charset="0"/>
                         </a:rPr>
                         <a:t>React</a:t>
                       </a:r>
@@ -8850,7 +8822,6 @@
                             <a:schemeClr val="accent2"/>
                           </a:solidFill>
                           <a:effectLst/>
-                          <a:latin typeface="Exo 2" panose="020B0604020202020204" charset="0"/>
                         </a:rPr>
                         <a:t>Database for managing registered users.</a:t>
                       </a:r>
@@ -8889,7 +8860,6 @@
                             <a:schemeClr val="accent2"/>
                           </a:solidFill>
                           <a:effectLst/>
-                          <a:latin typeface="Exo 2" panose="020B0604020202020204" charset="0"/>
                         </a:rPr>
                         <a:t>MongoDB</a:t>
                       </a:r>
@@ -8935,7 +8905,6 @@
                             <a:schemeClr val="accent2"/>
                           </a:solidFill>
                           <a:effectLst/>
-                          <a:latin typeface="Exo 2" panose="020B0604020202020204" charset="0"/>
                         </a:rPr>
                         <a:t>Handles HTTP requests.</a:t>
                       </a:r>
@@ -8944,7 +8913,6 @@
                           <a:schemeClr val="accent2"/>
                         </a:solidFill>
                         <a:effectLst/>
-                        <a:latin typeface="Exo 2" panose="020B0604020202020204" charset="0"/>
                       </a:endParaRPr>
                     </a:p>
                     <a:p>
@@ -8994,7 +8962,6 @@
                             <a:schemeClr val="accent2"/>
                           </a:solidFill>
                           <a:effectLst/>
-                          <a:latin typeface="Exo 2" panose="020B0604020202020204" charset="0"/>
                         </a:rPr>
                         <a:t>Axios</a:t>
                       </a:r>
@@ -9040,7 +9007,6 @@
                             <a:schemeClr val="accent2"/>
                           </a:solidFill>
                           <a:effectLst/>
-                          <a:latin typeface="Exo 2" panose="020B0604020202020204" charset="0"/>
                         </a:rPr>
                         <a:t>Used to scrap relevant articles from the web.</a:t>
                       </a:r>
@@ -9079,7 +9045,6 @@
                             <a:schemeClr val="accent2"/>
                           </a:solidFill>
                           <a:effectLst/>
-                          <a:latin typeface="Exo 2" panose="020B0604020202020204" charset="0"/>
                         </a:rPr>
                         <a:t>Python (BeautifulSoup)</a:t>
                       </a:r>
@@ -9125,7 +9090,6 @@
                             <a:schemeClr val="accent2"/>
                           </a:solidFill>
                           <a:effectLst/>
-                          <a:latin typeface="Exo 2" panose="020B0604020202020204" charset="0"/>
                         </a:rPr>
                         <a:t>Handles the back-end; server-side.</a:t>
                       </a:r>
@@ -9134,7 +9098,6 @@
                           <a:schemeClr val="accent2"/>
                         </a:solidFill>
                         <a:effectLst/>
-                        <a:latin typeface="Exo 2" panose="020B0604020202020204" charset="0"/>
                       </a:endParaRPr>
                     </a:p>
                     <a:p>
@@ -9184,7 +9147,6 @@
                             <a:schemeClr val="accent2"/>
                           </a:solidFill>
                           <a:effectLst/>
-                          <a:latin typeface="Exo 2" panose="020B0604020202020204" charset="0"/>
                         </a:rPr>
                         <a:t>Node JS</a:t>
                       </a:r>
@@ -9225,7 +9187,7 @@
 </file>
 
 <file path=ppt/slides/slide5.xml><?xml version="1.0" encoding="utf-8"?>
-<p:sld xmlns:a="http://schemas.openxmlformats.org/drawingml/2006/main" xmlns:r="http://schemas.openxmlformats.org/officeDocument/2006/relationships" xmlns:p="http://schemas.openxmlformats.org/presentationml/2006/main">
+<p:sld xmlns:a="http://schemas.openxmlformats.org/drawingml/2006/main" xmlns:r="http://schemas.openxmlformats.org/officeDocument/2006/relationships" xmlns:p="http://schemas.openxmlformats.org/presentationml/2006/main" showMasterSp="0">
   <p:cSld>
     <p:spTree>
       <p:nvGrpSpPr>
@@ -9821,7 +9783,7 @@
 </file>
 
 <file path=ppt/slides/slide6.xml><?xml version="1.0" encoding="utf-8"?>
-<p:sld xmlns:a="http://schemas.openxmlformats.org/drawingml/2006/main" xmlns:r="http://schemas.openxmlformats.org/officeDocument/2006/relationships" xmlns:p="http://schemas.openxmlformats.org/presentationml/2006/main">
+<p:sld xmlns:a="http://schemas.openxmlformats.org/drawingml/2006/main" xmlns:r="http://schemas.openxmlformats.org/officeDocument/2006/relationships" xmlns:p="http://schemas.openxmlformats.org/presentationml/2006/main" showMasterSp="0">
   <p:cSld>
     <p:spTree>
       <p:nvGrpSpPr>
@@ -10500,7 +10462,7 @@
 </file>
 
 <file path=ppt/slides/slide7.xml><?xml version="1.0" encoding="utf-8"?>
-<p:sld xmlns:a="http://schemas.openxmlformats.org/drawingml/2006/main" xmlns:r="http://schemas.openxmlformats.org/officeDocument/2006/relationships" xmlns:p="http://schemas.openxmlformats.org/presentationml/2006/main">
+<p:sld xmlns:a="http://schemas.openxmlformats.org/drawingml/2006/main" xmlns:r="http://schemas.openxmlformats.org/officeDocument/2006/relationships" xmlns:p="http://schemas.openxmlformats.org/presentationml/2006/main" showMasterSp="0">
   <p:cSld>
     <p:spTree>
       <p:nvGrpSpPr>
@@ -10580,7 +10542,7 @@
 </file>
 
 <file path=ppt/slides/slide8.xml><?xml version="1.0" encoding="utf-8"?>
-<p:sld xmlns:a="http://schemas.openxmlformats.org/drawingml/2006/main" xmlns:r="http://schemas.openxmlformats.org/officeDocument/2006/relationships" xmlns:p="http://schemas.openxmlformats.org/presentationml/2006/main">
+<p:sld xmlns:a="http://schemas.openxmlformats.org/drawingml/2006/main" xmlns:r="http://schemas.openxmlformats.org/officeDocument/2006/relationships" xmlns:p="http://schemas.openxmlformats.org/presentationml/2006/main" showMasterSp="0">
   <p:cSld>
     <p:spTree>
       <p:nvGrpSpPr>
@@ -11029,7 +10991,7 @@
 </file>
 
 <file path=ppt/slides/slide9.xml><?xml version="1.0" encoding="utf-8"?>
-<p:sld xmlns:a="http://schemas.openxmlformats.org/drawingml/2006/main" xmlns:r="http://schemas.openxmlformats.org/officeDocument/2006/relationships" xmlns:p="http://schemas.openxmlformats.org/presentationml/2006/main">
+<p:sld xmlns:a="http://schemas.openxmlformats.org/drawingml/2006/main" xmlns:r="http://schemas.openxmlformats.org/officeDocument/2006/relationships" xmlns:p="http://schemas.openxmlformats.org/presentationml/2006/main" showMasterSp="0">
   <p:cSld>
     <p:spTree>
       <p:nvGrpSpPr>
